--- a/docs/scenario.pptx
+++ b/docs/scenario.pptx
@@ -270,7 +270,7 @@
           <a:p>
             <a:fld id="{4A722013-656A-42F8-90A1-E1B6E2D6B652}" type="datetimeFigureOut">
               <a:rPr lang="de-DE" smtClean="0"/>
-              <a:t>17.09.2020</a:t>
+              <a:t>21.10.2020</a:t>
             </a:fld>
             <a:endParaRPr lang="de-DE"/>
           </a:p>
@@ -468,7 +468,7 @@
           <a:p>
             <a:fld id="{4A722013-656A-42F8-90A1-E1B6E2D6B652}" type="datetimeFigureOut">
               <a:rPr lang="de-DE" smtClean="0"/>
-              <a:t>17.09.2020</a:t>
+              <a:t>21.10.2020</a:t>
             </a:fld>
             <a:endParaRPr lang="de-DE"/>
           </a:p>
@@ -676,7 +676,7 @@
           <a:p>
             <a:fld id="{4A722013-656A-42F8-90A1-E1B6E2D6B652}" type="datetimeFigureOut">
               <a:rPr lang="de-DE" smtClean="0"/>
-              <a:t>17.09.2020</a:t>
+              <a:t>21.10.2020</a:t>
             </a:fld>
             <a:endParaRPr lang="de-DE"/>
           </a:p>
@@ -874,7 +874,7 @@
           <a:p>
             <a:fld id="{4A722013-656A-42F8-90A1-E1B6E2D6B652}" type="datetimeFigureOut">
               <a:rPr lang="de-DE" smtClean="0"/>
-              <a:t>17.09.2020</a:t>
+              <a:t>21.10.2020</a:t>
             </a:fld>
             <a:endParaRPr lang="de-DE"/>
           </a:p>
@@ -1149,7 +1149,7 @@
           <a:p>
             <a:fld id="{4A722013-656A-42F8-90A1-E1B6E2D6B652}" type="datetimeFigureOut">
               <a:rPr lang="de-DE" smtClean="0"/>
-              <a:t>17.09.2020</a:t>
+              <a:t>21.10.2020</a:t>
             </a:fld>
             <a:endParaRPr lang="de-DE"/>
           </a:p>
@@ -1414,7 +1414,7 @@
           <a:p>
             <a:fld id="{4A722013-656A-42F8-90A1-E1B6E2D6B652}" type="datetimeFigureOut">
               <a:rPr lang="de-DE" smtClean="0"/>
-              <a:t>17.09.2020</a:t>
+              <a:t>21.10.2020</a:t>
             </a:fld>
             <a:endParaRPr lang="de-DE"/>
           </a:p>
@@ -1826,7 +1826,7 @@
           <a:p>
             <a:fld id="{4A722013-656A-42F8-90A1-E1B6E2D6B652}" type="datetimeFigureOut">
               <a:rPr lang="de-DE" smtClean="0"/>
-              <a:t>17.09.2020</a:t>
+              <a:t>21.10.2020</a:t>
             </a:fld>
             <a:endParaRPr lang="de-DE"/>
           </a:p>
@@ -1967,7 +1967,7 @@
           <a:p>
             <a:fld id="{4A722013-656A-42F8-90A1-E1B6E2D6B652}" type="datetimeFigureOut">
               <a:rPr lang="de-DE" smtClean="0"/>
-              <a:t>17.09.2020</a:t>
+              <a:t>21.10.2020</a:t>
             </a:fld>
             <a:endParaRPr lang="de-DE"/>
           </a:p>
@@ -2080,7 +2080,7 @@
           <a:p>
             <a:fld id="{4A722013-656A-42F8-90A1-E1B6E2D6B652}" type="datetimeFigureOut">
               <a:rPr lang="de-DE" smtClean="0"/>
-              <a:t>17.09.2020</a:t>
+              <a:t>21.10.2020</a:t>
             </a:fld>
             <a:endParaRPr lang="de-DE"/>
           </a:p>
@@ -2391,7 +2391,7 @@
           <a:p>
             <a:fld id="{4A722013-656A-42F8-90A1-E1B6E2D6B652}" type="datetimeFigureOut">
               <a:rPr lang="de-DE" smtClean="0"/>
-              <a:t>17.09.2020</a:t>
+              <a:t>21.10.2020</a:t>
             </a:fld>
             <a:endParaRPr lang="de-DE"/>
           </a:p>
@@ -2679,7 +2679,7 @@
           <a:p>
             <a:fld id="{4A722013-656A-42F8-90A1-E1B6E2D6B652}" type="datetimeFigureOut">
               <a:rPr lang="de-DE" smtClean="0"/>
-              <a:t>17.09.2020</a:t>
+              <a:t>21.10.2020</a:t>
             </a:fld>
             <a:endParaRPr lang="de-DE"/>
           </a:p>
@@ -2920,7 +2920,7 @@
           <a:p>
             <a:fld id="{4A722013-656A-42F8-90A1-E1B6E2D6B652}" type="datetimeFigureOut">
               <a:rPr lang="de-DE" smtClean="0"/>
-              <a:t>17.09.2020</a:t>
+              <a:t>21.10.2020</a:t>
             </a:fld>
             <a:endParaRPr lang="de-DE"/>
           </a:p>
@@ -3683,7 +3683,7 @@
         <p:spPr>
           <a:xfrm>
             <a:off x="2906631" y="2763667"/>
-            <a:ext cx="3989120" cy="923330"/>
+            <a:ext cx="3989120" cy="369332"/>
           </a:xfrm>
           <a:prstGeom prst="rect">
             <a:avLst/>
@@ -3715,58 +3715,6 @@
                 </a:solidFill>
               </a:rPr>
               <a:t>ProductRating</a:t>
-            </a:r>
-            <a:endParaRPr lang="de-DE" dirty="0"/>
-          </a:p>
-          <a:p>
-            <a:r>
-              <a:rPr lang="de-DE" dirty="0">
-                <a:solidFill>
-                  <a:schemeClr val="tx1"/>
-                </a:solidFill>
-                <a:sym typeface="Wingdings" panose="05000000000000000000" pitchFamily="2" charset="2"/>
-              </a:rPr>
-              <a:t> </a:t>
-            </a:r>
-            <a:r>
-              <a:rPr lang="de-DE" dirty="0" err="1">
-                <a:solidFill>
-                  <a:schemeClr val="tx1"/>
-                </a:solidFill>
-              </a:rPr>
-              <a:t>Association</a:t>
-            </a:r>
-            <a:r>
-              <a:rPr lang="de-DE" dirty="0"/>
-              <a:t> </a:t>
-            </a:r>
-            <a:r>
-              <a:rPr lang="de-DE" dirty="0" err="1"/>
-              <a:t>to</a:t>
-            </a:r>
-            <a:endParaRPr lang="de-DE" dirty="0"/>
-          </a:p>
-          <a:p>
-            <a:pPr marL="742950" lvl="1" indent="-285750">
-              <a:buFont typeface="Arial" panose="020B0604020202020204" pitchFamily="34" charset="0"/>
-              <a:buChar char="•"/>
-            </a:pPr>
-            <a:r>
-              <a:rPr lang="de-DE" dirty="0">
-                <a:solidFill>
-                  <a:schemeClr val="tx1"/>
-                </a:solidFill>
-              </a:rPr>
-              <a:t>Products </a:t>
-            </a:r>
-            <a:r>
-              <a:rPr lang="de-DE" dirty="0">
-                <a:solidFill>
-                  <a:schemeClr val="tx1"/>
-                </a:solidFill>
-                <a:sym typeface="Wingdings" panose="05000000000000000000" pitchFamily="2" charset="2"/>
-              </a:rPr>
-              <a:t> Custom Entity</a:t>
             </a:r>
             <a:endParaRPr lang="de-DE" dirty="0"/>
           </a:p>
@@ -3833,7 +3781,7 @@
         </p:nvSpPr>
         <p:spPr>
           <a:xfrm>
-            <a:off x="8538411" y="1681978"/>
+            <a:off x="8538411" y="2061592"/>
             <a:ext cx="3280610" cy="2935705"/>
           </a:xfrm>
           <a:prstGeom prst="roundRect">
@@ -3918,15 +3866,15 @@
           </p:cNvPr>
           <p:cNvCxnSpPr>
             <a:cxnSpLocks/>
-            <a:stCxn id="11" idx="3"/>
+            <a:stCxn id="2" idx="3"/>
             <a:endCxn id="18" idx="1"/>
           </p:cNvCxnSpPr>
           <p:nvPr/>
         </p:nvCxnSpPr>
         <p:spPr>
           <a:xfrm flipV="1">
-            <a:off x="7074569" y="3149831"/>
-            <a:ext cx="1463842" cy="10645"/>
+            <a:off x="5464629" y="3529445"/>
+            <a:ext cx="3073782" cy="3796"/>
           </a:xfrm>
           <a:prstGeom prst="straightConnector1">
             <a:avLst/>
@@ -4014,21 +3962,8 @@
                   <a:sysClr val="windowText" lastClr="000000"/>
                 </a:solidFill>
               </a:rPr>
-              <a:t>ABAP </a:t>
-            </a:r>
-            <a:r>
-              <a:rPr lang="de-DE" dirty="0" err="1">
-                <a:solidFill>
-                  <a:sysClr val="windowText" lastClr="000000"/>
-                </a:solidFill>
-              </a:rPr>
-              <a:t>Foundation</a:t>
-            </a:r>
-            <a:endParaRPr lang="de-DE" dirty="0">
-              <a:solidFill>
-                <a:sysClr val="windowText" lastClr="000000"/>
-              </a:solidFill>
-            </a:endParaRPr>
+              <a:t>HANA</a:t>
+            </a:r>
           </a:p>
         </p:txBody>
       </p:sp>
@@ -4079,6 +4014,88 @@
           </a:fontRef>
         </p:style>
       </p:cxnSp>
+      <p:sp>
+        <p:nvSpPr>
+          <p:cNvPr id="2" name="Rechteck: abgerundete Ecken 1">
+            <a:extLst>
+              <a:ext uri="{FF2B5EF4-FFF2-40B4-BE49-F238E27FC236}">
+                <a16:creationId xmlns:a16="http://schemas.microsoft.com/office/drawing/2014/main" id="{5E080F1D-611D-497D-BF5F-08BD3CB03CDF}"/>
+              </a:ext>
+            </a:extLst>
+          </p:cNvPr>
+          <p:cNvSpPr/>
+          <p:nvPr/>
+        </p:nvSpPr>
+        <p:spPr>
+          <a:xfrm>
+            <a:off x="3311438" y="3186932"/>
+            <a:ext cx="2153191" cy="692618"/>
+          </a:xfrm>
+          <a:prstGeom prst="roundRect">
+            <a:avLst>
+              <a:gd name="adj" fmla="val 18514"/>
+            </a:avLst>
+          </a:prstGeom>
+          <a:solidFill>
+            <a:schemeClr val="bg2">
+              <a:lumMod val="90000"/>
+            </a:schemeClr>
+          </a:solidFill>
+          <a:ln>
+            <a:solidFill>
+              <a:schemeClr val="tx1"/>
+            </a:solidFill>
+          </a:ln>
+        </p:spPr>
+        <p:style>
+          <a:lnRef idx="2">
+            <a:schemeClr val="accent1">
+              <a:shade val="50000"/>
+            </a:schemeClr>
+          </a:lnRef>
+          <a:fillRef idx="1">
+            <a:schemeClr val="accent1"/>
+          </a:fillRef>
+          <a:effectRef idx="0">
+            <a:schemeClr val="accent1"/>
+          </a:effectRef>
+          <a:fontRef idx="minor">
+            <a:schemeClr val="lt1"/>
+          </a:fontRef>
+        </p:style>
+        <p:txBody>
+          <a:bodyPr rtlCol="0" anchor="t"/>
+          <a:lstStyle/>
+          <a:p>
+            <a:pPr algn="ctr"/>
+            <a:r>
+              <a:rPr lang="de-DE" dirty="0">
+                <a:solidFill>
+                  <a:schemeClr val="tx1"/>
+                </a:solidFill>
+              </a:rPr>
+              <a:t>Products</a:t>
+            </a:r>
+          </a:p>
+          <a:p>
+            <a:pPr algn="ctr"/>
+            <a:r>
+              <a:rPr lang="de-DE" dirty="0">
+                <a:solidFill>
+                  <a:schemeClr val="tx1"/>
+                </a:solidFill>
+                <a:sym typeface="Wingdings" panose="05000000000000000000" pitchFamily="2" charset="2"/>
+              </a:rPr>
+              <a:t>(Custom Entity)</a:t>
+            </a:r>
+            <a:endParaRPr lang="de-DE" dirty="0">
+              <a:solidFill>
+                <a:schemeClr val="tx1"/>
+              </a:solidFill>
+            </a:endParaRPr>
+          </a:p>
+        </p:txBody>
+      </p:sp>
     </p:spTree>
     <p:extLst>
       <p:ext uri="{BB962C8B-B14F-4D97-AF65-F5344CB8AC3E}">
